--- a/Slides/slide.pptx
+++ b/Slides/slide.pptx
@@ -5,22 +5,112 @@
     <p:sldMasterId id="2147483648" r:id="rId1"/>
   </p:sldMasterIdLst>
   <p:sldIdLst>
-    <p:sldId id="256" r:id="rId6"/>
-    <p:sldId id="257" r:id="rId7"/>
-    <p:sldId id="258" r:id="rId8"/>
-    <p:sldId id="259" r:id="rId9"/>
-    <p:sldId id="260" r:id="rId10"/>
-    <p:sldId id="261" r:id="rId11"/>
-    <p:sldId id="262" r:id="rId12"/>
-    <p:sldId id="263" r:id="rId13"/>
+    <p:sldId id="256" r:id="rId3"/>
+    <p:sldId id="259" r:id="rId4"/>
+    <p:sldId id="257" r:id="rId5"/>
+    <p:sldId id="260" r:id="rId6"/>
+    <p:sldId id="262" r:id="rId7"/>
+    <p:sldId id="263" r:id="rId8"/>
   </p:sldIdLst>
   <p:sldSz cx="12192000" cy="6858000"/>
   <p:notesSz cx="12192000" cy="6858000"/>
+  <p:defaultTextStyle>
+    <a:lvl1pPr marL="0" algn="l" defTabSz="914400" rtl="0" eaLnBrk="1" latinLnBrk="0" hangingPunct="1">
+      <a:defRPr sz="1800" kern="1200">
+        <a:solidFill>
+          <a:schemeClr val="tx1"/>
+        </a:solidFill>
+        <a:latin typeface="+mn-lt"/>
+        <a:ea typeface="+mn-ea"/>
+        <a:cs typeface="+mn-cs"/>
+      </a:defRPr>
+    </a:lvl1pPr>
+    <a:lvl2pPr marL="457200" algn="l" defTabSz="914400" rtl="0" eaLnBrk="1" latinLnBrk="0" hangingPunct="1">
+      <a:defRPr sz="1800" kern="1200">
+        <a:solidFill>
+          <a:schemeClr val="tx1"/>
+        </a:solidFill>
+        <a:latin typeface="+mn-lt"/>
+        <a:ea typeface="+mn-ea"/>
+        <a:cs typeface="+mn-cs"/>
+      </a:defRPr>
+    </a:lvl2pPr>
+    <a:lvl3pPr marL="914400" algn="l" defTabSz="914400" rtl="0" eaLnBrk="1" latinLnBrk="0" hangingPunct="1">
+      <a:defRPr sz="1800" kern="1200">
+        <a:solidFill>
+          <a:schemeClr val="tx1"/>
+        </a:solidFill>
+        <a:latin typeface="+mn-lt"/>
+        <a:ea typeface="+mn-ea"/>
+        <a:cs typeface="+mn-cs"/>
+      </a:defRPr>
+    </a:lvl3pPr>
+    <a:lvl4pPr marL="1371600" algn="l" defTabSz="914400" rtl="0" eaLnBrk="1" latinLnBrk="0" hangingPunct="1">
+      <a:defRPr sz="1800" kern="1200">
+        <a:solidFill>
+          <a:schemeClr val="tx1"/>
+        </a:solidFill>
+        <a:latin typeface="+mn-lt"/>
+        <a:ea typeface="+mn-ea"/>
+        <a:cs typeface="+mn-cs"/>
+      </a:defRPr>
+    </a:lvl4pPr>
+    <a:lvl5pPr marL="1828800" algn="l" defTabSz="914400" rtl="0" eaLnBrk="1" latinLnBrk="0" hangingPunct="1">
+      <a:defRPr sz="1800" kern="1200">
+        <a:solidFill>
+          <a:schemeClr val="tx1"/>
+        </a:solidFill>
+        <a:latin typeface="+mn-lt"/>
+        <a:ea typeface="+mn-ea"/>
+        <a:cs typeface="+mn-cs"/>
+      </a:defRPr>
+    </a:lvl5pPr>
+    <a:lvl6pPr marL="2286000" algn="l" defTabSz="914400" rtl="0" eaLnBrk="1" latinLnBrk="0" hangingPunct="1">
+      <a:defRPr sz="1800" kern="1200">
+        <a:solidFill>
+          <a:schemeClr val="tx1"/>
+        </a:solidFill>
+        <a:latin typeface="+mn-lt"/>
+        <a:ea typeface="+mn-ea"/>
+        <a:cs typeface="+mn-cs"/>
+      </a:defRPr>
+    </a:lvl6pPr>
+    <a:lvl7pPr marL="2743200" algn="l" defTabSz="914400" rtl="0" eaLnBrk="1" latinLnBrk="0" hangingPunct="1">
+      <a:defRPr sz="1800" kern="1200">
+        <a:solidFill>
+          <a:schemeClr val="tx1"/>
+        </a:solidFill>
+        <a:latin typeface="+mn-lt"/>
+        <a:ea typeface="+mn-ea"/>
+        <a:cs typeface="+mn-cs"/>
+      </a:defRPr>
+    </a:lvl7pPr>
+    <a:lvl8pPr marL="3200400" algn="l" defTabSz="914400" rtl="0" eaLnBrk="1" latinLnBrk="0" hangingPunct="1">
+      <a:defRPr sz="1800" kern="1200">
+        <a:solidFill>
+          <a:schemeClr val="tx1"/>
+        </a:solidFill>
+        <a:latin typeface="+mn-lt"/>
+        <a:ea typeface="+mn-ea"/>
+        <a:cs typeface="+mn-cs"/>
+      </a:defRPr>
+    </a:lvl8pPr>
+    <a:lvl9pPr marL="3657600" algn="l" defTabSz="914400" rtl="0" eaLnBrk="1" latinLnBrk="0" hangingPunct="1">
+      <a:defRPr sz="1800" kern="1200">
+        <a:solidFill>
+          <a:schemeClr val="tx1"/>
+        </a:solidFill>
+        <a:latin typeface="+mn-lt"/>
+        <a:ea typeface="+mn-ea"/>
+        <a:cs typeface="+mn-cs"/>
+      </a:defRPr>
+    </a:lvl9pPr>
+  </p:defaultTextStyle>
 </p:presentation>
 </file>
 
 <file path=ppt/slideLayouts/slideLayout1.xml><?xml version="1.0" encoding="utf-8"?>
-<p:sldLayout xmlns:a="http://schemas.openxmlformats.org/drawingml/2006/main" xmlns:r="http://schemas.openxmlformats.org/officeDocument/2006/relationships" xmlns:p="http://schemas.openxmlformats.org/presentationml/2006/main" preserve="1" type="obj" showMasterSp="0">
+<p:sldLayout xmlns:a="http://schemas.openxmlformats.org/drawingml/2006/main" xmlns:r="http://schemas.openxmlformats.org/officeDocument/2006/relationships" xmlns:p="http://schemas.openxmlformats.org/presentationml/2006/main" type="obj" preserve="1" showMasterSp="0">
   <p:cSld name="Title Slide">
     <p:bg>
       <p:bgPr>
@@ -215,7 +305,7 @@
             <a:spLocks noGrp="1"/>
           </p:cNvSpPr>
           <p:nvPr>
-            <p:ph type="ftr" idx="5" sz="quarter"/>
+            <p:ph type="ftr" sz="quarter" idx="5"/>
           </p:nvPr>
         </p:nvSpPr>
         <p:spPr/>
@@ -242,7 +332,7 @@
             <a:spLocks noGrp="1"/>
           </p:cNvSpPr>
           <p:nvPr>
-            <p:ph type="dt" idx="6" sz="half"/>
+            <p:ph type="dt" sz="half" idx="6"/>
           </p:nvPr>
         </p:nvSpPr>
         <p:spPr/>
@@ -273,7 +363,7 @@
             <a:spLocks noGrp="1"/>
           </p:cNvSpPr>
           <p:nvPr>
-            <p:ph type="sldNum" idx="7" sz="quarter"/>
+            <p:ph type="sldNum" sz="quarter" idx="7"/>
           </p:nvPr>
         </p:nvSpPr>
         <p:spPr/>
@@ -292,7 +382,7 @@
           </a:lstStyle>
           <a:p>
             <a:fld id="{B6F15528-21DE-4FAA-801E-634DDDAF4B2B}" type="slidenum">
-              <a:t>#</a:t>
+              <a:rPr/>
             </a:fld>
           </a:p>
         </p:txBody>
@@ -306,7 +396,7 @@
 </file>
 
 <file path=ppt/slideLayouts/slideLayout2.xml><?xml version="1.0" encoding="utf-8"?>
-<p:sldLayout xmlns:a="http://schemas.openxmlformats.org/drawingml/2006/main" xmlns:r="http://schemas.openxmlformats.org/officeDocument/2006/relationships" xmlns:p="http://schemas.openxmlformats.org/presentationml/2006/main" preserve="1" type="obj">
+<p:sldLayout xmlns:a="http://schemas.openxmlformats.org/drawingml/2006/main" xmlns:r="http://schemas.openxmlformats.org/officeDocument/2006/relationships" xmlns:p="http://schemas.openxmlformats.org/presentationml/2006/main" type="obj" preserve="1">
   <p:cSld name="Title and Content">
     <p:spTree>
       <p:nvGrpSpPr>
@@ -377,7 +467,7 @@
             <a:spLocks noGrp="1"/>
           </p:cNvSpPr>
           <p:nvPr>
-            <p:ph type="ftr" idx="5" sz="quarter"/>
+            <p:ph type="ftr" sz="quarter" idx="5"/>
           </p:nvPr>
         </p:nvSpPr>
         <p:spPr/>
@@ -404,7 +494,7 @@
             <a:spLocks noGrp="1"/>
           </p:cNvSpPr>
           <p:nvPr>
-            <p:ph type="dt" idx="6" sz="half"/>
+            <p:ph type="dt" sz="half" idx="6"/>
           </p:nvPr>
         </p:nvSpPr>
         <p:spPr/>
@@ -435,7 +525,7 @@
             <a:spLocks noGrp="1"/>
           </p:cNvSpPr>
           <p:nvPr>
-            <p:ph type="sldNum" idx="7" sz="quarter"/>
+            <p:ph type="sldNum" sz="quarter" idx="7"/>
           </p:nvPr>
         </p:nvSpPr>
         <p:spPr/>
@@ -454,7 +544,7 @@
           </a:lstStyle>
           <a:p>
             <a:fld id="{B6F15528-21DE-4FAA-801E-634DDDAF4B2B}" type="slidenum">
-              <a:t>#</a:t>
+              <a:rPr/>
             </a:fld>
           </a:p>
         </p:txBody>
@@ -468,7 +558,7 @@
 </file>
 
 <file path=ppt/slideLayouts/slideLayout3.xml><?xml version="1.0" encoding="utf-8"?>
-<p:sldLayout xmlns:a="http://schemas.openxmlformats.org/drawingml/2006/main" xmlns:r="http://schemas.openxmlformats.org/officeDocument/2006/relationships" xmlns:p="http://schemas.openxmlformats.org/presentationml/2006/main" preserve="1" type="obj">
+<p:sldLayout xmlns:a="http://schemas.openxmlformats.org/drawingml/2006/main" xmlns:r="http://schemas.openxmlformats.org/officeDocument/2006/relationships" xmlns:p="http://schemas.openxmlformats.org/presentationml/2006/main" type="obj" preserve="1">
   <p:cSld name="Two Content">
     <p:spTree>
       <p:nvGrpSpPr>
@@ -518,7 +608,7 @@
             <a:spLocks noGrp="1"/>
           </p:cNvSpPr>
           <p:nvPr>
-            <p:ph idx="2" sz="half"/>
+            <p:ph sz="half" idx="2"/>
           </p:nvPr>
         </p:nvSpPr>
         <p:spPr>
@@ -549,7 +639,7 @@
             <a:spLocks noGrp="1"/>
           </p:cNvSpPr>
           <p:nvPr>
-            <p:ph idx="3" sz="half"/>
+            <p:ph sz="half" idx="3"/>
           </p:nvPr>
         </p:nvSpPr>
         <p:spPr>
@@ -580,7 +670,7 @@
             <a:spLocks noGrp="1"/>
           </p:cNvSpPr>
           <p:nvPr>
-            <p:ph type="ftr" idx="5" sz="quarter"/>
+            <p:ph type="ftr" sz="quarter" idx="5"/>
           </p:nvPr>
         </p:nvSpPr>
         <p:spPr/>
@@ -607,7 +697,7 @@
             <a:spLocks noGrp="1"/>
           </p:cNvSpPr>
           <p:nvPr>
-            <p:ph type="dt" idx="6" sz="half"/>
+            <p:ph type="dt" sz="half" idx="6"/>
           </p:nvPr>
         </p:nvSpPr>
         <p:spPr/>
@@ -638,7 +728,7 @@
             <a:spLocks noGrp="1"/>
           </p:cNvSpPr>
           <p:nvPr>
-            <p:ph type="sldNum" idx="7" sz="quarter"/>
+            <p:ph type="sldNum" sz="quarter" idx="7"/>
           </p:nvPr>
         </p:nvSpPr>
         <p:spPr/>
@@ -657,7 +747,7 @@
           </a:lstStyle>
           <a:p>
             <a:fld id="{B6F15528-21DE-4FAA-801E-634DDDAF4B2B}" type="slidenum">
-              <a:t>#</a:t>
+              <a:rPr/>
             </a:fld>
           </a:p>
         </p:txBody>
@@ -671,7 +761,7 @@
 </file>
 
 <file path=ppt/slideLayouts/slideLayout4.xml><?xml version="1.0" encoding="utf-8"?>
-<p:sldLayout xmlns:a="http://schemas.openxmlformats.org/drawingml/2006/main" xmlns:r="http://schemas.openxmlformats.org/officeDocument/2006/relationships" xmlns:p="http://schemas.openxmlformats.org/presentationml/2006/main" preserve="1" type="obj">
+<p:sldLayout xmlns:a="http://schemas.openxmlformats.org/drawingml/2006/main" xmlns:r="http://schemas.openxmlformats.org/officeDocument/2006/relationships" xmlns:p="http://schemas.openxmlformats.org/presentationml/2006/main" type="obj" preserve="1">
   <p:cSld name="Title Only">
     <p:spTree>
       <p:nvGrpSpPr>
@@ -721,7 +811,7 @@
             <a:spLocks noGrp="1"/>
           </p:cNvSpPr>
           <p:nvPr>
-            <p:ph type="ftr" idx="5" sz="quarter"/>
+            <p:ph type="ftr" sz="quarter" idx="5"/>
           </p:nvPr>
         </p:nvSpPr>
         <p:spPr/>
@@ -748,7 +838,7 @@
             <a:spLocks noGrp="1"/>
           </p:cNvSpPr>
           <p:nvPr>
-            <p:ph type="dt" idx="6" sz="half"/>
+            <p:ph type="dt" sz="half" idx="6"/>
           </p:nvPr>
         </p:nvSpPr>
         <p:spPr/>
@@ -779,7 +869,7 @@
             <a:spLocks noGrp="1"/>
           </p:cNvSpPr>
           <p:nvPr>
-            <p:ph type="sldNum" idx="7" sz="quarter"/>
+            <p:ph type="sldNum" sz="quarter" idx="7"/>
           </p:nvPr>
         </p:nvSpPr>
         <p:spPr/>
@@ -798,7 +888,7 @@
           </a:lstStyle>
           <a:p>
             <a:fld id="{B6F15528-21DE-4FAA-801E-634DDDAF4B2B}" type="slidenum">
-              <a:t>#</a:t>
+              <a:rPr/>
             </a:fld>
           </a:p>
         </p:txBody>
@@ -812,7 +902,7 @@
 </file>
 
 <file path=ppt/slideLayouts/slideLayout5.xml><?xml version="1.0" encoding="utf-8"?>
-<p:sldLayout xmlns:a="http://schemas.openxmlformats.org/drawingml/2006/main" xmlns:r="http://schemas.openxmlformats.org/officeDocument/2006/relationships" xmlns:p="http://schemas.openxmlformats.org/presentationml/2006/main" preserve="1" type="obj">
+<p:sldLayout xmlns:a="http://schemas.openxmlformats.org/drawingml/2006/main" xmlns:r="http://schemas.openxmlformats.org/officeDocument/2006/relationships" xmlns:p="http://schemas.openxmlformats.org/presentationml/2006/main" type="obj" preserve="1">
   <p:cSld name="Blank">
     <p:spTree>
       <p:nvGrpSpPr>
@@ -835,7 +925,7 @@
             <a:spLocks noGrp="1"/>
           </p:cNvSpPr>
           <p:nvPr>
-            <p:ph type="ftr" idx="5" sz="quarter"/>
+            <p:ph type="ftr" sz="quarter" idx="5"/>
           </p:nvPr>
         </p:nvSpPr>
         <p:spPr/>
@@ -862,7 +952,7 @@
             <a:spLocks noGrp="1"/>
           </p:cNvSpPr>
           <p:nvPr>
-            <p:ph type="dt" idx="6" sz="half"/>
+            <p:ph type="dt" sz="half" idx="6"/>
           </p:nvPr>
         </p:nvSpPr>
         <p:spPr/>
@@ -893,7 +983,7 @@
             <a:spLocks noGrp="1"/>
           </p:cNvSpPr>
           <p:nvPr>
-            <p:ph type="sldNum" idx="7" sz="quarter"/>
+            <p:ph type="sldNum" sz="quarter" idx="7"/>
           </p:nvPr>
         </p:nvSpPr>
         <p:spPr/>
@@ -912,7 +1002,7 @@
           </a:lstStyle>
           <a:p>
             <a:fld id="{B6F15528-21DE-4FAA-801E-634DDDAF4B2B}" type="slidenum">
-              <a:t>#</a:t>
+              <a:rPr/>
             </a:fld>
           </a:p>
         </p:txBody>
@@ -1073,7 +1163,7 @@
             <a:spLocks noGrp="1"/>
           </p:cNvSpPr>
           <p:nvPr>
-            <p:ph type="ftr" idx="5" sz="quarter"/>
+            <p:ph type="ftr" sz="quarter" idx="5"/>
           </p:nvPr>
         </p:nvSpPr>
         <p:spPr>
@@ -1110,7 +1200,7 @@
             <a:spLocks noGrp="1"/>
           </p:cNvSpPr>
           <p:nvPr>
-            <p:ph type="dt" idx="6" sz="half"/>
+            <p:ph type="dt" sz="half" idx="6"/>
           </p:nvPr>
         </p:nvSpPr>
         <p:spPr>
@@ -1151,7 +1241,7 @@
             <a:spLocks noGrp="1"/>
           </p:cNvSpPr>
           <p:nvPr>
-            <p:ph type="sldNum" idx="7" sz="quarter"/>
+            <p:ph type="sldNum" sz="quarter" idx="7"/>
           </p:nvPr>
         </p:nvSpPr>
         <p:spPr>
@@ -1180,20 +1270,20 @@
           </a:lstStyle>
           <a:p>
             <a:fld id="{B6F15528-21DE-4FAA-801E-634DDDAF4B2B}" type="slidenum">
-              <a:t>#</a:t>
+              <a:rPr/>
             </a:fld>
           </a:p>
         </p:txBody>
       </p:sp>
     </p:spTree>
   </p:cSld>
-  <p:clrMap folHlink="folHlink" hlink="hlink" accent1="accent1" accent2="accent2" accent3="accent3" accent4="accent4" accent5="accent5" accent6="accent6" tx2="dk2" bg2="lt2" tx1="dk1" bg1="lt1"/>
+  <p:clrMap bg1="lt1" tx1="dk1" bg2="lt2" tx2="dk2" accent1="accent1" accent2="accent2" accent3="accent3" accent4="accent4" accent5="accent5" accent6="accent6" hlink="hlink" folHlink="folHlink"/>
   <p:sldLayoutIdLst>
-    <p:sldLayoutId id="2147483661" r:id="rId1"/>
-    <p:sldLayoutId id="2147483662" r:id="rId2"/>
-    <p:sldLayoutId id="2147483663" r:id="rId3"/>
-    <p:sldLayoutId id="2147483664" r:id="rId4"/>
-    <p:sldLayoutId id="2147483665" r:id="rId5"/>
+    <p:sldLayoutId id="2147483649" r:id="rId1"/>
+    <p:sldLayoutId id="2147483650" r:id="rId2"/>
+    <p:sldLayoutId id="2147483651" r:id="rId3"/>
+    <p:sldLayoutId id="2147483652" r:id="rId4"/>
+    <p:sldLayoutId id="2147483653" r:id="rId5"/>
   </p:sldLayoutIdLst>
   <p:txStyles>
     <p:titleStyle>
@@ -1367,10 +1457,16 @@
           </p:nvPr>
         </p:nvSpPr>
         <p:spPr>
-          <a:prstGeom prst="rect"/>
-        </p:spPr>
-        <p:txBody>
-          <a:bodyPr wrap="square" lIns="0" tIns="0" rIns="0" bIns="0" rtlCol="0" vert="horz">
+          <a:xfrm>
+            <a:off x="4420235" y="2590800"/>
+            <a:ext cx="2854960" cy="822960"/>
+          </a:xfrm>
+          <a:prstGeom prst="rect">
+            <a:avLst/>
+          </a:prstGeom>
+        </p:spPr>
+        <p:txBody>
+          <a:bodyPr vert="horz" wrap="square" lIns="0" tIns="0" rIns="0" bIns="0" rtlCol="0">
             <a:spAutoFit/>
           </a:bodyPr>
           <a:lstStyle/>
@@ -1381,9 +1477,75 @@
               </a:lnSpc>
             </a:pPr>
             <a:r>
-              <a:rPr dirty="0"/>
-              <a:t>情感地图</a:t>
+              <a:rPr lang="x-none">
+                <a:ln w="12700">
+                  <a:solidFill>
+                    <a:schemeClr val="accent5"/>
+                  </a:solidFill>
+                  <a:prstDash val="solid"/>
+                </a:ln>
+                <a:pattFill prst="ltDnDiag">
+                  <a:fgClr>
+                    <a:schemeClr val="accent5">
+                      <a:lumMod val="60000"/>
+                      <a:lumOff val="40000"/>
+                    </a:schemeClr>
+                  </a:fgClr>
+                  <a:bgClr>
+                    <a:schemeClr val="bg1"/>
+                  </a:bgClr>
+                </a:pattFill>
+                <a:effectLst/>
+                <a:latin typeface="Arial Black" charset="0"/>
+              </a:rPr>
+              <a:t>Satiety</a:t>
             </a:r>
+            <a:r>
+              <a:rPr lang="x-none" sz="4400" baseline="30000">
+                <a:ln w="12700">
+                  <a:solidFill>
+                    <a:schemeClr val="accent5"/>
+                  </a:solidFill>
+                  <a:prstDash val="solid"/>
+                </a:ln>
+                <a:pattFill prst="ltDnDiag">
+                  <a:fgClr>
+                    <a:schemeClr val="accent5">
+                      <a:lumMod val="60000"/>
+                      <a:lumOff val="40000"/>
+                    </a:schemeClr>
+                  </a:fgClr>
+                  <a:bgClr>
+                    <a:schemeClr val="bg1"/>
+                  </a:bgClr>
+                </a:pattFill>
+                <a:effectLst/>
+                <a:latin typeface="Arial Black" charset="0"/>
+              </a:rPr>
+              <a:t>TM</a:t>
+            </a:r>
+            <a:endParaRPr lang="x-none" sz="4400" baseline="30000">
+              <a:ln w="12700">
+                <a:solidFill>
+                  <a:schemeClr val="accent5"/>
+                </a:solidFill>
+                <a:prstDash val="solid"/>
+              </a:ln>
+              <a:pattFill prst="ltDnDiag">
+                <a:fgClr>
+                  <a:schemeClr val="accent5">
+                    <a:lumMod val="60000"/>
+                    <a:lumOff val="40000"/>
+                  </a:schemeClr>
+                </a:fgClr>
+                <a:bgClr>
+                  <a:schemeClr val="bg1"/>
+                </a:bgClr>
+              </a:pattFill>
+              <a:effectLst/>
+              <a:latin typeface="Arial Black" charset="0"/>
+              <a:cs typeface="Arial" charset="0"/>
+            </a:endParaRPr>
           </a:p>
         </p:txBody>
       </p:sp>
@@ -1395,15 +1557,15 @@
         </p:nvSpPr>
         <p:spPr>
           <a:xfrm>
-            <a:off x="4205198" y="3284220"/>
-            <a:ext cx="3782060" cy="274320"/>
-          </a:xfrm>
-          <a:prstGeom prst="rect">
-            <a:avLst/>
-          </a:prstGeom>
-        </p:spPr>
-        <p:txBody>
-          <a:bodyPr wrap="square" lIns="0" tIns="0" rIns="0" bIns="0" rtlCol="0" vert="horz">
+            <a:off x="7467600" y="4114800"/>
+            <a:ext cx="1093470" cy="487680"/>
+          </a:xfrm>
+          <a:prstGeom prst="rect">
+            <a:avLst/>
+          </a:prstGeom>
+        </p:spPr>
+        <p:txBody>
+          <a:bodyPr vert="horz" wrap="square" lIns="0" tIns="0" rIns="0" bIns="0" rtlCol="0">
             <a:spAutoFit/>
           </a:bodyPr>
           <a:lstStyle/>
@@ -1414,46 +1576,19 @@
               </a:lnSpc>
             </a:pPr>
             <a:r>
-              <a:rPr dirty="0" sz="1800" spc="-5">
+              <a:rPr lang="x-none" sz="3200">
                 <a:solidFill>
-                  <a:srgbClr val="FFFFFF"/>
+                  <a:schemeClr val="bg1"/>
                 </a:solidFill>
                 <a:latin typeface="Microsoft YaHei"/>
                 <a:cs typeface="Microsoft YaHei"/>
               </a:rPr>
-              <a:t>PRESENTED </a:t>
+              <a:t>Grox</a:t>
             </a:r>
-            <a:r>
-              <a:rPr dirty="0" sz="1800" spc="-35">
-                <a:solidFill>
-                  <a:srgbClr val="FFFFFF"/>
-                </a:solidFill>
-                <a:latin typeface="Microsoft YaHei"/>
-                <a:cs typeface="Microsoft YaHei"/>
-              </a:rPr>
-              <a:t>BY</a:t>
-            </a:r>
-            <a:r>
-              <a:rPr dirty="0" sz="1800" spc="-60">
-                <a:solidFill>
-                  <a:srgbClr val="FFFFFF"/>
-                </a:solidFill>
-                <a:latin typeface="Microsoft YaHei"/>
-                <a:cs typeface="Microsoft YaHei"/>
-              </a:rPr>
-              <a:t> </a:t>
-            </a:r>
-            <a:r>
-              <a:rPr dirty="0" sz="1800">
-                <a:solidFill>
-                  <a:srgbClr val="FFFFFF"/>
-                </a:solidFill>
-                <a:latin typeface="Microsoft YaHei"/>
-                <a:cs typeface="Microsoft YaHei"/>
-              </a:rPr>
-              <a:t>唇边轻启的欲念之火</a:t>
-            </a:r>
-            <a:endParaRPr sz="1800">
+            <a:endParaRPr lang="x-none" sz="3200">
+              <a:solidFill>
+                <a:schemeClr val="bg1"/>
+              </a:solidFill>
               <a:latin typeface="Microsoft YaHei"/>
               <a:cs typeface="Microsoft YaHei"/>
             </a:endParaRPr>
@@ -1496,10 +1631,12 @@
           </p:nvPr>
         </p:nvSpPr>
         <p:spPr>
-          <a:prstGeom prst="rect"/>
-        </p:spPr>
-        <p:txBody>
-          <a:bodyPr wrap="square" lIns="0" tIns="0" rIns="0" bIns="0" rtlCol="0" vert="horz">
+          <a:prstGeom prst="rect">
+            <a:avLst/>
+          </a:prstGeom>
+        </p:spPr>
+        <p:txBody>
+          <a:bodyPr vert="horz" wrap="square" lIns="0" tIns="0" rIns="0" bIns="0" rtlCol="0">
             <a:spAutoFit/>
           </a:bodyPr>
           <a:lstStyle/>
@@ -1510,20 +1647,36 @@
               </a:lnSpc>
             </a:pPr>
             <a:r>
-              <a:rPr dirty="0" spc="-5"/>
-              <a:t>Idea </a:t>
+              <a:rPr spc="-45" dirty="0"/>
+              <a:t>Talk </a:t>
             </a:r>
             <a:r>
-              <a:rPr dirty="0" spc="-95"/>
-              <a:t>To</a:t>
+              <a:rPr dirty="0"/>
+              <a:t>is </a:t>
             </a:r>
             <a:r>
-              <a:rPr dirty="0" spc="-60"/>
+              <a:rPr spc="-5" dirty="0"/>
+              <a:t>cheap, </a:t>
+            </a:r>
+            <a:r>
+              <a:rPr dirty="0"/>
+              <a:t>show </a:t>
+            </a:r>
+            <a:r>
+              <a:rPr spc="-10" dirty="0"/>
+              <a:t>you </a:t>
+            </a:r>
+            <a:r>
+              <a:rPr spc="-5" dirty="0"/>
+              <a:t>the</a:t>
+            </a:r>
+            <a:r>
+              <a:rPr spc="10" dirty="0"/>
               <a:t> </a:t>
             </a:r>
             <a:r>
-              <a:rPr dirty="0" spc="-5"/>
-              <a:t>Product</a:t>
+              <a:rPr spc="-5" dirty="0"/>
+              <a:t>demo.</a:t>
             </a:r>
           </a:p>
         </p:txBody>
@@ -1536,8 +1689,35 @@
         </p:nvSpPr>
         <p:spPr>
           <a:xfrm>
-            <a:off x="5676900" y="2011048"/>
-            <a:ext cx="498981" cy="441956"/>
+            <a:off x="317500" y="1206500"/>
+            <a:ext cx="2857500" cy="4991100"/>
+          </a:xfrm>
+          <a:prstGeom prst="rect">
+            <a:avLst/>
+          </a:prstGeom>
+          <a:blipFill>
+            <a:blip r:embed="rId1" cstate="print"/>
+            <a:stretch>
+              <a:fillRect/>
+            </a:stretch>
+          </a:blipFill>
+        </p:spPr>
+        <p:txBody>
+          <a:bodyPr wrap="square" lIns="0" tIns="0" rIns="0" bIns="0" rtlCol="0"/>
+          <a:lstStyle/>
+          <a:p/>
+        </p:txBody>
+      </p:sp>
+      <p:sp>
+        <p:nvSpPr>
+          <p:cNvPr id="4" name="object 4"/>
+          <p:cNvSpPr/>
+          <p:nvPr/>
+        </p:nvSpPr>
+        <p:spPr>
+          <a:xfrm>
+            <a:off x="330200" y="1219200"/>
+            <a:ext cx="2730500" cy="4864100"/>
           </a:xfrm>
           <a:prstGeom prst="rect">
             <a:avLst/>
@@ -1557,14 +1737,14 @@
       </p:sp>
       <p:sp>
         <p:nvSpPr>
-          <p:cNvPr id="4" name="object 4"/>
+          <p:cNvPr id="5" name="object 5"/>
           <p:cNvSpPr/>
           <p:nvPr/>
         </p:nvSpPr>
         <p:spPr>
           <a:xfrm>
-            <a:off x="6457950" y="1925954"/>
-            <a:ext cx="498981" cy="527050"/>
+            <a:off x="3213100" y="1206500"/>
+            <a:ext cx="2857500" cy="4991100"/>
           </a:xfrm>
           <a:prstGeom prst="rect">
             <a:avLst/>
@@ -1584,14 +1764,14 @@
       </p:sp>
       <p:sp>
         <p:nvSpPr>
-          <p:cNvPr id="5" name="object 5"/>
+          <p:cNvPr id="6" name="object 6"/>
           <p:cNvSpPr/>
           <p:nvPr/>
         </p:nvSpPr>
         <p:spPr>
           <a:xfrm>
-            <a:off x="3111500" y="2844800"/>
-            <a:ext cx="2000694" cy="1250950"/>
+            <a:off x="3225800" y="1219200"/>
+            <a:ext cx="2730500" cy="4864100"/>
           </a:xfrm>
           <a:prstGeom prst="rect">
             <a:avLst/>
@@ -1611,14 +1791,14 @@
       </p:sp>
       <p:sp>
         <p:nvSpPr>
-          <p:cNvPr id="6" name="object 6"/>
+          <p:cNvPr id="7" name="object 7"/>
           <p:cNvSpPr/>
           <p:nvPr/>
         </p:nvSpPr>
         <p:spPr>
           <a:xfrm>
-            <a:off x="7239000" y="2005662"/>
-            <a:ext cx="498981" cy="404797"/>
+            <a:off x="9118600" y="1206500"/>
+            <a:ext cx="2857500" cy="5003800"/>
           </a:xfrm>
           <a:prstGeom prst="rect">
             <a:avLst/>
@@ -1638,14 +1818,14 @@
       </p:sp>
       <p:sp>
         <p:nvSpPr>
-          <p:cNvPr id="7" name="object 7"/>
+          <p:cNvPr id="8" name="object 8"/>
           <p:cNvSpPr/>
           <p:nvPr/>
         </p:nvSpPr>
         <p:spPr>
           <a:xfrm>
-            <a:off x="8020050" y="1968503"/>
-            <a:ext cx="498981" cy="441956"/>
+            <a:off x="9131300" y="1219200"/>
+            <a:ext cx="2730500" cy="4876800"/>
           </a:xfrm>
           <a:prstGeom prst="rect">
             <a:avLst/>
@@ -1665,54 +1845,14 @@
       </p:sp>
       <p:sp>
         <p:nvSpPr>
-          <p:cNvPr id="8" name="object 8"/>
-          <p:cNvSpPr txBox="1"/>
-          <p:nvPr/>
-        </p:nvSpPr>
-        <p:spPr>
-          <a:xfrm>
-            <a:off x="8856065" y="2022805"/>
-            <a:ext cx="194945" cy="253365"/>
-          </a:xfrm>
-          <a:prstGeom prst="rect">
-            <a:avLst/>
-          </a:prstGeom>
-        </p:spPr>
-        <p:txBody>
-          <a:bodyPr wrap="square" lIns="0" tIns="0" rIns="0" bIns="0" rtlCol="0" vert="horz">
-            <a:spAutoFit/>
-          </a:bodyPr>
-          <a:lstStyle/>
-          <a:p>
-            <a:pPr marL="12700">
-              <a:lnSpc>
-                <a:spcPct val="100000"/>
-              </a:lnSpc>
-            </a:pPr>
-            <a:r>
-              <a:rPr dirty="0" sz="1600">
-                <a:latin typeface="Arial"/>
-                <a:cs typeface="Arial"/>
-              </a:rPr>
-              <a:t>...</a:t>
-            </a:r>
-            <a:endParaRPr sz="1600">
-              <a:latin typeface="Arial"/>
-              <a:cs typeface="Arial"/>
-            </a:endParaRPr>
-          </a:p>
-        </p:txBody>
-      </p:sp>
-      <p:sp>
-        <p:nvSpPr>
           <p:cNvPr id="9" name="object 9"/>
           <p:cNvSpPr/>
           <p:nvPr/>
         </p:nvSpPr>
         <p:spPr>
           <a:xfrm>
-            <a:off x="5645150" y="3063100"/>
-            <a:ext cx="1419682" cy="807999"/>
+            <a:off x="6159500" y="1206500"/>
+            <a:ext cx="2870200" cy="4991100"/>
           </a:xfrm>
           <a:prstGeom prst="rect">
             <a:avLst/>
@@ -1738,95 +1878,14 @@
         </p:nvSpPr>
         <p:spPr>
           <a:xfrm>
-            <a:off x="7597800" y="3063100"/>
-            <a:ext cx="1419682" cy="807999"/>
+            <a:off x="6172200" y="1219200"/>
+            <a:ext cx="2743200" cy="4864100"/>
           </a:xfrm>
           <a:prstGeom prst="rect">
             <a:avLst/>
           </a:prstGeom>
           <a:blipFill>
             <a:blip r:embed="rId8" cstate="print"/>
-            <a:stretch>
-              <a:fillRect/>
-            </a:stretch>
-          </a:blipFill>
-        </p:spPr>
-        <p:txBody>
-          <a:bodyPr wrap="square" lIns="0" tIns="0" rIns="0" bIns="0" rtlCol="0"/>
-          <a:lstStyle/>
-          <a:p/>
-        </p:txBody>
-      </p:sp>
-      <p:sp>
-        <p:nvSpPr>
-          <p:cNvPr id="11" name="object 11"/>
-          <p:cNvSpPr/>
-          <p:nvPr/>
-        </p:nvSpPr>
-        <p:spPr>
-          <a:xfrm>
-            <a:off x="7683500" y="3175000"/>
-            <a:ext cx="495300" cy="635000"/>
-          </a:xfrm>
-          <a:prstGeom prst="rect">
-            <a:avLst/>
-          </a:prstGeom>
-          <a:blipFill>
-            <a:blip r:embed="rId9" cstate="print"/>
-            <a:stretch>
-              <a:fillRect/>
-            </a:stretch>
-          </a:blipFill>
-        </p:spPr>
-        <p:txBody>
-          <a:bodyPr wrap="square" lIns="0" tIns="0" rIns="0" bIns="0" rtlCol="0"/>
-          <a:lstStyle/>
-          <a:p/>
-        </p:txBody>
-      </p:sp>
-      <p:sp>
-        <p:nvSpPr>
-          <p:cNvPr id="12" name="object 12"/>
-          <p:cNvSpPr/>
-          <p:nvPr/>
-        </p:nvSpPr>
-        <p:spPr>
-          <a:xfrm>
-            <a:off x="7734300" y="3200400"/>
-            <a:ext cx="387350" cy="533400"/>
-          </a:xfrm>
-          <a:prstGeom prst="rect">
-            <a:avLst/>
-          </a:prstGeom>
-          <a:blipFill>
-            <a:blip r:embed="rId10" cstate="print"/>
-            <a:stretch>
-              <a:fillRect/>
-            </a:stretch>
-          </a:blipFill>
-        </p:spPr>
-        <p:txBody>
-          <a:bodyPr wrap="square" lIns="0" tIns="0" rIns="0" bIns="0" rtlCol="0"/>
-          <a:lstStyle/>
-          <a:p/>
-        </p:txBody>
-      </p:sp>
-      <p:sp>
-        <p:nvSpPr>
-          <p:cNvPr id="13" name="object 13"/>
-          <p:cNvSpPr/>
-          <p:nvPr/>
-        </p:nvSpPr>
-        <p:spPr>
-          <a:xfrm>
-            <a:off x="7092950" y="4368800"/>
-            <a:ext cx="596900" cy="596900"/>
-          </a:xfrm>
-          <a:prstGeom prst="rect">
-            <a:avLst/>
-          </a:prstGeom>
-          <a:blipFill>
-            <a:blip r:embed="rId11" cstate="print"/>
             <a:stretch>
               <a:fillRect/>
             </a:stretch>
@@ -1874,10 +1933,12 @@
           </p:nvPr>
         </p:nvSpPr>
         <p:spPr>
-          <a:prstGeom prst="rect"/>
-        </p:spPr>
-        <p:txBody>
-          <a:bodyPr wrap="square" lIns="0" tIns="0" rIns="0" bIns="0" rtlCol="0" vert="horz">
+          <a:prstGeom prst="rect">
+            <a:avLst/>
+          </a:prstGeom>
+        </p:spPr>
+        <p:txBody>
+          <a:bodyPr vert="horz" wrap="square" lIns="0" tIns="0" rIns="0" bIns="0" rtlCol="0">
             <a:spAutoFit/>
           </a:bodyPr>
           <a:lstStyle/>
@@ -1888,36 +1949,20 @@
               </a:lnSpc>
             </a:pPr>
             <a:r>
-              <a:rPr dirty="0" spc="-45"/>
-              <a:t>Talk </a:t>
+              <a:rPr spc="-5" dirty="0"/>
+              <a:t>Idea </a:t>
             </a:r>
             <a:r>
-              <a:rPr dirty="0"/>
-              <a:t>is </a:t>
+              <a:rPr spc="-95" dirty="0"/>
+              <a:t>To</a:t>
             </a:r>
             <a:r>
-              <a:rPr dirty="0" spc="-5"/>
-              <a:t>cheap, </a:t>
-            </a:r>
-            <a:r>
-              <a:rPr dirty="0"/>
-              <a:t>show </a:t>
-            </a:r>
-            <a:r>
-              <a:rPr dirty="0" spc="-10"/>
-              <a:t>you </a:t>
-            </a:r>
-            <a:r>
-              <a:rPr dirty="0" spc="-5"/>
-              <a:t>the</a:t>
-            </a:r>
-            <a:r>
-              <a:rPr dirty="0" spc="10"/>
+              <a:rPr spc="-60" dirty="0"/>
               <a:t> </a:t>
             </a:r>
             <a:r>
-              <a:rPr dirty="0" spc="-5"/>
-              <a:t>demo.</a:t>
+              <a:rPr spc="-5" dirty="0"/>
+              <a:t>Product</a:t>
             </a:r>
           </a:p>
         </p:txBody>
@@ -1930,8 +1975,35 @@
         </p:nvSpPr>
         <p:spPr>
           <a:xfrm>
-            <a:off x="4318000" y="1816100"/>
-            <a:ext cx="3556000" cy="3556000"/>
+            <a:off x="5676900" y="2011048"/>
+            <a:ext cx="498981" cy="441956"/>
+          </a:xfrm>
+          <a:prstGeom prst="rect">
+            <a:avLst/>
+          </a:prstGeom>
+          <a:blipFill>
+            <a:blip r:embed="rId1" cstate="print"/>
+            <a:stretch>
+              <a:fillRect/>
+            </a:stretch>
+          </a:blipFill>
+        </p:spPr>
+        <p:txBody>
+          <a:bodyPr wrap="square" lIns="0" tIns="0" rIns="0" bIns="0" rtlCol="0"/>
+          <a:lstStyle/>
+          <a:p/>
+        </p:txBody>
+      </p:sp>
+      <p:sp>
+        <p:nvSpPr>
+          <p:cNvPr id="4" name="object 4"/>
+          <p:cNvSpPr/>
+          <p:nvPr/>
+        </p:nvSpPr>
+        <p:spPr>
+          <a:xfrm>
+            <a:off x="6457950" y="1925954"/>
+            <a:ext cx="498981" cy="527050"/>
           </a:xfrm>
           <a:prstGeom prst="rect">
             <a:avLst/>
@@ -1951,21 +2023,102 @@
       </p:sp>
       <p:sp>
         <p:nvSpPr>
-          <p:cNvPr id="4" name="object 4"/>
+          <p:cNvPr id="5" name="object 5"/>
+          <p:cNvSpPr/>
+          <p:nvPr/>
+        </p:nvSpPr>
+        <p:spPr>
+          <a:xfrm>
+            <a:off x="3111500" y="2844800"/>
+            <a:ext cx="2000694" cy="1250950"/>
+          </a:xfrm>
+          <a:prstGeom prst="rect">
+            <a:avLst/>
+          </a:prstGeom>
+          <a:blipFill>
+            <a:blip r:embed="rId3" cstate="print"/>
+            <a:stretch>
+              <a:fillRect/>
+            </a:stretch>
+          </a:blipFill>
+        </p:spPr>
+        <p:txBody>
+          <a:bodyPr wrap="square" lIns="0" tIns="0" rIns="0" bIns="0" rtlCol="0"/>
+          <a:lstStyle/>
+          <a:p/>
+        </p:txBody>
+      </p:sp>
+      <p:sp>
+        <p:nvSpPr>
+          <p:cNvPr id="6" name="object 6"/>
+          <p:cNvSpPr/>
+          <p:nvPr/>
+        </p:nvSpPr>
+        <p:spPr>
+          <a:xfrm>
+            <a:off x="7239000" y="2005662"/>
+            <a:ext cx="498981" cy="404797"/>
+          </a:xfrm>
+          <a:prstGeom prst="rect">
+            <a:avLst/>
+          </a:prstGeom>
+          <a:blipFill>
+            <a:blip r:embed="rId4" cstate="print"/>
+            <a:stretch>
+              <a:fillRect/>
+            </a:stretch>
+          </a:blipFill>
+        </p:spPr>
+        <p:txBody>
+          <a:bodyPr wrap="square" lIns="0" tIns="0" rIns="0" bIns="0" rtlCol="0"/>
+          <a:lstStyle/>
+          <a:p/>
+        </p:txBody>
+      </p:sp>
+      <p:sp>
+        <p:nvSpPr>
+          <p:cNvPr id="7" name="object 7"/>
+          <p:cNvSpPr/>
+          <p:nvPr/>
+        </p:nvSpPr>
+        <p:spPr>
+          <a:xfrm>
+            <a:off x="8020050" y="1968503"/>
+            <a:ext cx="498981" cy="441956"/>
+          </a:xfrm>
+          <a:prstGeom prst="rect">
+            <a:avLst/>
+          </a:prstGeom>
+          <a:blipFill>
+            <a:blip r:embed="rId5" cstate="print"/>
+            <a:stretch>
+              <a:fillRect/>
+            </a:stretch>
+          </a:blipFill>
+        </p:spPr>
+        <p:txBody>
+          <a:bodyPr wrap="square" lIns="0" tIns="0" rIns="0" bIns="0" rtlCol="0"/>
+          <a:lstStyle/>
+          <a:p/>
+        </p:txBody>
+      </p:sp>
+      <p:sp>
+        <p:nvSpPr>
+          <p:cNvPr id="8" name="object 8"/>
           <p:cNvSpPr txBox="1"/>
           <p:nvPr/>
         </p:nvSpPr>
         <p:spPr>
           <a:xfrm>
-            <a:off x="3751897" y="5544820"/>
-            <a:ext cx="4642485" cy="287020"/>
-          </a:xfrm>
-          <a:prstGeom prst="rect">
-            <a:avLst/>
-          </a:prstGeom>
-        </p:spPr>
-        <p:txBody>
-          <a:bodyPr wrap="square" lIns="0" tIns="0" rIns="0" bIns="0" rtlCol="0" vert="horz">
+            <a:off x="8856065" y="2022805"/>
+            <a:ext cx="194945" cy="253365"/>
+          </a:xfrm>
+          <a:prstGeom prst="rect">
+            <a:avLst/>
+          </a:prstGeom>
+        </p:spPr>
+        <p:txBody>
+          <a:bodyPr vert="horz" wrap="square" lIns="0" tIns="0" rIns="0" bIns="0" rtlCol="0">
             <a:spAutoFit/>
           </a:bodyPr>
           <a:lstStyle/>
@@ -1976,23 +2129,151 @@
               </a:lnSpc>
             </a:pPr>
             <a:r>
-              <a:rPr dirty="0" sz="1800" spc="-5" u="sng">
-                <a:solidFill>
-                  <a:srgbClr val="0563C1"/>
-                </a:solidFill>
-                <a:latin typeface="Microsoft YaHei"/>
-                <a:cs typeface="Microsoft YaHei"/>
-                <a:hlinkClick r:id="rId3"/>
+              <a:rPr sz="1600" dirty="0">
+                <a:latin typeface="Arial" charset="0"/>
+                <a:cs typeface="Arial" charset="0"/>
               </a:rPr>
-              <a:t>http://hackthon17write.chinacloudapp.cn/</a:t>
+              <a:t>...</a:t>
             </a:r>
-            <a:endParaRPr sz="1800">
-              <a:latin typeface="Microsoft YaHei"/>
-              <a:cs typeface="Microsoft YaHei"/>
+            <a:endParaRPr sz="1600">
+              <a:latin typeface="Arial" charset="0"/>
+              <a:cs typeface="Arial" charset="0"/>
             </a:endParaRPr>
           </a:p>
         </p:txBody>
       </p:sp>
+      <p:sp>
+        <p:nvSpPr>
+          <p:cNvPr id="9" name="object 9"/>
+          <p:cNvSpPr/>
+          <p:nvPr/>
+        </p:nvSpPr>
+        <p:spPr>
+          <a:xfrm>
+            <a:off x="5645150" y="3063100"/>
+            <a:ext cx="1419682" cy="807999"/>
+          </a:xfrm>
+          <a:prstGeom prst="rect">
+            <a:avLst/>
+          </a:prstGeom>
+          <a:blipFill>
+            <a:blip r:embed="rId6" cstate="print"/>
+            <a:stretch>
+              <a:fillRect/>
+            </a:stretch>
+          </a:blipFill>
+        </p:spPr>
+        <p:txBody>
+          <a:bodyPr wrap="square" lIns="0" tIns="0" rIns="0" bIns="0" rtlCol="0"/>
+          <a:lstStyle/>
+          <a:p/>
+        </p:txBody>
+      </p:sp>
+      <p:sp>
+        <p:nvSpPr>
+          <p:cNvPr id="10" name="object 10"/>
+          <p:cNvSpPr/>
+          <p:nvPr/>
+        </p:nvSpPr>
+        <p:spPr>
+          <a:xfrm>
+            <a:off x="7597800" y="3063100"/>
+            <a:ext cx="1419682" cy="807999"/>
+          </a:xfrm>
+          <a:prstGeom prst="rect">
+            <a:avLst/>
+          </a:prstGeom>
+          <a:blipFill>
+            <a:blip r:embed="rId7" cstate="print"/>
+            <a:stretch>
+              <a:fillRect/>
+            </a:stretch>
+          </a:blipFill>
+        </p:spPr>
+        <p:txBody>
+          <a:bodyPr wrap="square" lIns="0" tIns="0" rIns="0" bIns="0" rtlCol="0"/>
+          <a:lstStyle/>
+          <a:p/>
+        </p:txBody>
+      </p:sp>
+      <p:sp>
+        <p:nvSpPr>
+          <p:cNvPr id="11" name="object 11"/>
+          <p:cNvSpPr/>
+          <p:nvPr/>
+        </p:nvSpPr>
+        <p:spPr>
+          <a:xfrm>
+            <a:off x="7683500" y="3175000"/>
+            <a:ext cx="495300" cy="635000"/>
+          </a:xfrm>
+          <a:prstGeom prst="rect">
+            <a:avLst/>
+          </a:prstGeom>
+          <a:blipFill>
+            <a:blip r:embed="rId8" cstate="print"/>
+            <a:stretch>
+              <a:fillRect/>
+            </a:stretch>
+          </a:blipFill>
+        </p:spPr>
+        <p:txBody>
+          <a:bodyPr wrap="square" lIns="0" tIns="0" rIns="0" bIns="0" rtlCol="0"/>
+          <a:lstStyle/>
+          <a:p/>
+        </p:txBody>
+      </p:sp>
+      <p:sp>
+        <p:nvSpPr>
+          <p:cNvPr id="13" name="object 13"/>
+          <p:cNvSpPr/>
+          <p:nvPr/>
+        </p:nvSpPr>
+        <p:spPr>
+          <a:xfrm>
+            <a:off x="7092950" y="4368800"/>
+            <a:ext cx="596900" cy="596900"/>
+          </a:xfrm>
+          <a:prstGeom prst="rect">
+            <a:avLst/>
+          </a:prstGeom>
+          <a:blipFill>
+            <a:blip r:embed="rId9" cstate="print"/>
+            <a:stretch>
+              <a:fillRect/>
+            </a:stretch>
+          </a:blipFill>
+        </p:spPr>
+        <p:txBody>
+          <a:bodyPr wrap="square" lIns="0" tIns="0" rIns="0" bIns="0" rtlCol="0"/>
+          <a:lstStyle/>
+          <a:p/>
+        </p:txBody>
+      </p:sp>
+      <p:pic>
+        <p:nvPicPr>
+          <p:cNvPr id="14" name="Picture 13" descr="timg"/>
+          <p:cNvPicPr>
+            <a:picLocks noChangeAspect="1"/>
+          </p:cNvPicPr>
+          <p:nvPr/>
+        </p:nvPicPr>
+        <p:blipFill>
+          <a:blip r:embed="rId10"/>
+          <a:stretch>
+            <a:fillRect/>
+          </a:stretch>
+        </p:blipFill>
+        <p:spPr>
+          <a:xfrm>
+            <a:off x="7653020" y="3168015"/>
+            <a:ext cx="449580" cy="598805"/>
+          </a:xfrm>
+          <a:prstGeom prst="rect">
+            <a:avLst/>
+          </a:prstGeom>
+        </p:spPr>
+      </p:pic>
     </p:spTree>
   </p:cSld>
   <p:clrMapOvr>
@@ -2029,10 +2310,12 @@
           </p:nvPr>
         </p:nvSpPr>
         <p:spPr>
-          <a:prstGeom prst="rect"/>
-        </p:spPr>
-        <p:txBody>
-          <a:bodyPr wrap="square" lIns="0" tIns="0" rIns="0" bIns="0" rtlCol="0" vert="horz">
+          <a:prstGeom prst="rect">
+            <a:avLst/>
+          </a:prstGeom>
+        </p:spPr>
+        <p:txBody>
+          <a:bodyPr vert="horz" wrap="square" lIns="0" tIns="0" rIns="0" bIns="0" rtlCol="0">
             <a:spAutoFit/>
           </a:bodyPr>
           <a:lstStyle/>
@@ -2043,36 +2326,20 @@
               </a:lnSpc>
             </a:pPr>
             <a:r>
-              <a:rPr dirty="0" spc="-45"/>
-              <a:t>Talk </a:t>
+              <a:rPr spc="-30" dirty="0"/>
+              <a:t>We </a:t>
+            </a:r>
+            <a:r>
+              <a:rPr spc="-10" dirty="0"/>
+              <a:t>love</a:t>
             </a:r>
             <a:r>
               <a:rPr dirty="0"/>
-              <a:t>is </a:t>
-            </a:r>
-            <a:r>
-              <a:rPr dirty="0" spc="-5"/>
-              <a:t>cheap, </a:t>
-            </a:r>
-            <a:r>
-              <a:rPr dirty="0"/>
-              <a:t>show </a:t>
-            </a:r>
-            <a:r>
-              <a:rPr dirty="0" spc="-10"/>
-              <a:t>you </a:t>
-            </a:r>
-            <a:r>
-              <a:rPr dirty="0" spc="-5"/>
-              <a:t>the</a:t>
-            </a:r>
-            <a:r>
-              <a:rPr dirty="0" spc="10"/>
               <a:t> </a:t>
             </a:r>
             <a:r>
-              <a:rPr dirty="0" spc="-5"/>
-              <a:t>demo.</a:t>
+              <a:rPr spc="-5" dirty="0"/>
+              <a:t>algorithm.</a:t>
             </a:r>
           </a:p>
         </p:txBody>
@@ -2085,203 +2352,14 @@
         </p:nvSpPr>
         <p:spPr>
           <a:xfrm>
-            <a:off x="317500" y="1206500"/>
-            <a:ext cx="2857500" cy="4991100"/>
+            <a:off x="1155700" y="1016000"/>
+            <a:ext cx="9664700" cy="5232400"/>
           </a:xfrm>
           <a:prstGeom prst="rect">
             <a:avLst/>
           </a:prstGeom>
           <a:blipFill>
-            <a:blip r:embed="rId2" cstate="print"/>
-            <a:stretch>
-              <a:fillRect/>
-            </a:stretch>
-          </a:blipFill>
-        </p:spPr>
-        <p:txBody>
-          <a:bodyPr wrap="square" lIns="0" tIns="0" rIns="0" bIns="0" rtlCol="0"/>
-          <a:lstStyle/>
-          <a:p/>
-        </p:txBody>
-      </p:sp>
-      <p:sp>
-        <p:nvSpPr>
-          <p:cNvPr id="4" name="object 4"/>
-          <p:cNvSpPr/>
-          <p:nvPr/>
-        </p:nvSpPr>
-        <p:spPr>
-          <a:xfrm>
-            <a:off x="330200" y="1219200"/>
-            <a:ext cx="2730500" cy="4864100"/>
-          </a:xfrm>
-          <a:prstGeom prst="rect">
-            <a:avLst/>
-          </a:prstGeom>
-          <a:blipFill>
-            <a:blip r:embed="rId3" cstate="print"/>
-            <a:stretch>
-              <a:fillRect/>
-            </a:stretch>
-          </a:blipFill>
-        </p:spPr>
-        <p:txBody>
-          <a:bodyPr wrap="square" lIns="0" tIns="0" rIns="0" bIns="0" rtlCol="0"/>
-          <a:lstStyle/>
-          <a:p/>
-        </p:txBody>
-      </p:sp>
-      <p:sp>
-        <p:nvSpPr>
-          <p:cNvPr id="5" name="object 5"/>
-          <p:cNvSpPr/>
-          <p:nvPr/>
-        </p:nvSpPr>
-        <p:spPr>
-          <a:xfrm>
-            <a:off x="3213100" y="1206500"/>
-            <a:ext cx="2857500" cy="4991100"/>
-          </a:xfrm>
-          <a:prstGeom prst="rect">
-            <a:avLst/>
-          </a:prstGeom>
-          <a:blipFill>
-            <a:blip r:embed="rId4" cstate="print"/>
-            <a:stretch>
-              <a:fillRect/>
-            </a:stretch>
-          </a:blipFill>
-        </p:spPr>
-        <p:txBody>
-          <a:bodyPr wrap="square" lIns="0" tIns="0" rIns="0" bIns="0" rtlCol="0"/>
-          <a:lstStyle/>
-          <a:p/>
-        </p:txBody>
-      </p:sp>
-      <p:sp>
-        <p:nvSpPr>
-          <p:cNvPr id="6" name="object 6"/>
-          <p:cNvSpPr/>
-          <p:nvPr/>
-        </p:nvSpPr>
-        <p:spPr>
-          <a:xfrm>
-            <a:off x="3225800" y="1219200"/>
-            <a:ext cx="2730500" cy="4864100"/>
-          </a:xfrm>
-          <a:prstGeom prst="rect">
-            <a:avLst/>
-          </a:prstGeom>
-          <a:blipFill>
-            <a:blip r:embed="rId5" cstate="print"/>
-            <a:stretch>
-              <a:fillRect/>
-            </a:stretch>
-          </a:blipFill>
-        </p:spPr>
-        <p:txBody>
-          <a:bodyPr wrap="square" lIns="0" tIns="0" rIns="0" bIns="0" rtlCol="0"/>
-          <a:lstStyle/>
-          <a:p/>
-        </p:txBody>
-      </p:sp>
-      <p:sp>
-        <p:nvSpPr>
-          <p:cNvPr id="7" name="object 7"/>
-          <p:cNvSpPr/>
-          <p:nvPr/>
-        </p:nvSpPr>
-        <p:spPr>
-          <a:xfrm>
-            <a:off x="9118600" y="1206500"/>
-            <a:ext cx="2857500" cy="5003800"/>
-          </a:xfrm>
-          <a:prstGeom prst="rect">
-            <a:avLst/>
-          </a:prstGeom>
-          <a:blipFill>
-            <a:blip r:embed="rId6" cstate="print"/>
-            <a:stretch>
-              <a:fillRect/>
-            </a:stretch>
-          </a:blipFill>
-        </p:spPr>
-        <p:txBody>
-          <a:bodyPr wrap="square" lIns="0" tIns="0" rIns="0" bIns="0" rtlCol="0"/>
-          <a:lstStyle/>
-          <a:p/>
-        </p:txBody>
-      </p:sp>
-      <p:sp>
-        <p:nvSpPr>
-          <p:cNvPr id="8" name="object 8"/>
-          <p:cNvSpPr/>
-          <p:nvPr/>
-        </p:nvSpPr>
-        <p:spPr>
-          <a:xfrm>
-            <a:off x="9131300" y="1219200"/>
-            <a:ext cx="2730500" cy="4876800"/>
-          </a:xfrm>
-          <a:prstGeom prst="rect">
-            <a:avLst/>
-          </a:prstGeom>
-          <a:blipFill>
-            <a:blip r:embed="rId7" cstate="print"/>
-            <a:stretch>
-              <a:fillRect/>
-            </a:stretch>
-          </a:blipFill>
-        </p:spPr>
-        <p:txBody>
-          <a:bodyPr wrap="square" lIns="0" tIns="0" rIns="0" bIns="0" rtlCol="0"/>
-          <a:lstStyle/>
-          <a:p/>
-        </p:txBody>
-      </p:sp>
-      <p:sp>
-        <p:nvSpPr>
-          <p:cNvPr id="9" name="object 9"/>
-          <p:cNvSpPr/>
-          <p:nvPr/>
-        </p:nvSpPr>
-        <p:spPr>
-          <a:xfrm>
-            <a:off x="6159500" y="1206500"/>
-            <a:ext cx="2870200" cy="4991100"/>
-          </a:xfrm>
-          <a:prstGeom prst="rect">
-            <a:avLst/>
-          </a:prstGeom>
-          <a:blipFill>
-            <a:blip r:embed="rId8" cstate="print"/>
-            <a:stretch>
-              <a:fillRect/>
-            </a:stretch>
-          </a:blipFill>
-        </p:spPr>
-        <p:txBody>
-          <a:bodyPr wrap="square" lIns="0" tIns="0" rIns="0" bIns="0" rtlCol="0"/>
-          <a:lstStyle/>
-          <a:p/>
-        </p:txBody>
-      </p:sp>
-      <p:sp>
-        <p:nvSpPr>
-          <p:cNvPr id="10" name="object 10"/>
-          <p:cNvSpPr/>
-          <p:nvPr/>
-        </p:nvSpPr>
-        <p:spPr>
-          <a:xfrm>
-            <a:off x="6172200" y="1219200"/>
-            <a:ext cx="2743200" cy="4864100"/>
-          </a:xfrm>
-          <a:prstGeom prst="rect">
-            <a:avLst/>
-          </a:prstGeom>
-          <a:blipFill>
-            <a:blip r:embed="rId9" cstate="print"/>
+            <a:blip r:embed="rId1" cstate="print"/>
             <a:stretch>
               <a:fillRect/>
             </a:stretch>
@@ -2329,10 +2407,12 @@
           </p:nvPr>
         </p:nvSpPr>
         <p:spPr>
-          <a:prstGeom prst="rect"/>
-        </p:spPr>
-        <p:txBody>
-          <a:bodyPr wrap="square" lIns="0" tIns="0" rIns="0" bIns="0" rtlCol="0" vert="horz">
+          <a:prstGeom prst="rect">
+            <a:avLst/>
+          </a:prstGeom>
+        </p:spPr>
+        <p:txBody>
+          <a:bodyPr vert="horz" wrap="square" lIns="0" tIns="0" rIns="0" bIns="0" rtlCol="0">
             <a:spAutoFit/>
           </a:bodyPr>
           <a:lstStyle/>
@@ -2343,20 +2423,12 @@
               </a:lnSpc>
             </a:pPr>
             <a:r>
-              <a:rPr dirty="0" spc="-30"/>
-              <a:t>We </a:t>
-            </a:r>
-            <a:r>
-              <a:rPr dirty="0" spc="-10"/>
-              <a:t>love</a:t>
+              <a:rPr spc="-5" dirty="0"/>
+              <a:t>Scalability </a:t>
             </a:r>
             <a:r>
               <a:rPr dirty="0"/>
-              <a:t> </a:t>
-            </a:r>
-            <a:r>
-              <a:rPr dirty="0" spc="-5"/>
-              <a:t>algorithm.</a:t>
+              <a:t>is everything.</a:t>
             </a:r>
           </a:p>
         </p:txBody>
@@ -2369,14 +2441,14 @@
         </p:nvSpPr>
         <p:spPr>
           <a:xfrm>
-            <a:off x="1155700" y="1016000"/>
-            <a:ext cx="9664700" cy="5232400"/>
+            <a:off x="4874209" y="3742321"/>
+            <a:ext cx="2532481" cy="605269"/>
           </a:xfrm>
           <a:prstGeom prst="rect">
             <a:avLst/>
           </a:prstGeom>
           <a:blipFill>
-            <a:blip r:embed="rId2" cstate="print"/>
+            <a:blip r:embed="rId1" cstate="print"/>
             <a:stretch>
               <a:fillRect/>
             </a:stretch>
@@ -2388,46 +2460,23 @@
           <a:p/>
         </p:txBody>
       </p:sp>
-    </p:spTree>
-  </p:cSld>
-  <p:clrMapOvr>
-    <a:masterClrMapping/>
-  </p:clrMapOvr>
-</p:sld>
-</file>
-
-<file path=ppt/slides/slide6.xml><?xml version="1.0" encoding="utf-8"?>
-<p:sld xmlns:a="http://schemas.openxmlformats.org/drawingml/2006/main" xmlns:r="http://schemas.openxmlformats.org/officeDocument/2006/relationships" xmlns:p="http://schemas.openxmlformats.org/presentationml/2006/main">
-  <p:cSld>
-    <p:spTree>
-      <p:nvGrpSpPr>
-        <p:cNvPr id="1" name=""/>
-        <p:cNvGrpSpPr/>
-        <p:nvPr/>
-      </p:nvGrpSpPr>
-      <p:grpSpPr>
-        <a:xfrm>
-          <a:off x="0" y="0"/>
-          <a:ext cx="0" cy="0"/>
-          <a:chOff x="0" y="0"/>
-          <a:chExt cx="0" cy="0"/>
-        </a:xfrm>
-      </p:grpSpPr>
-      <p:sp>
-        <p:nvSpPr>
-          <p:cNvPr id="2" name="object 2"/>
-          <p:cNvSpPr txBox="1">
-            <a:spLocks noGrp="1"/>
-          </p:cNvSpPr>
-          <p:nvPr>
-            <p:ph type="title"/>
-          </p:nvPr>
-        </p:nvSpPr>
-        <p:spPr>
-          <a:prstGeom prst="rect"/>
-        </p:spPr>
-        <p:txBody>
-          <a:bodyPr wrap="square" lIns="0" tIns="0" rIns="0" bIns="0" rtlCol="0" vert="horz">
+      <p:sp>
+        <p:nvSpPr>
+          <p:cNvPr id="4" name="object 4"/>
+          <p:cNvSpPr txBox="1"/>
+          <p:nvPr/>
+        </p:nvSpPr>
+        <p:spPr>
+          <a:xfrm>
+            <a:off x="3496945" y="3109595"/>
+            <a:ext cx="1171575" cy="213360"/>
+          </a:xfrm>
+          <a:prstGeom prst="rect">
+            <a:avLst/>
+          </a:prstGeom>
+        </p:spPr>
+        <p:txBody>
+          <a:bodyPr vert="horz" wrap="square" lIns="0" tIns="0" rIns="0" bIns="0" rtlCol="0">
             <a:spAutoFit/>
           </a:bodyPr>
           <a:lstStyle/>
@@ -2438,190 +2487,7 @@
               </a:lnSpc>
             </a:pPr>
             <a:r>
-              <a:rPr dirty="0" spc="-5"/>
-              <a:t>Choose </a:t>
-            </a:r>
-            <a:r>
-              <a:rPr dirty="0" spc="-10"/>
-              <a:t>your </a:t>
-            </a:r>
-            <a:r>
-              <a:rPr dirty="0"/>
-              <a:t>own</a:t>
-            </a:r>
-            <a:r>
-              <a:rPr dirty="0" spc="-30"/>
-              <a:t> </a:t>
-            </a:r>
-            <a:r>
-              <a:rPr dirty="0" spc="-5"/>
-              <a:t>circle.</a:t>
-            </a:r>
-          </a:p>
-        </p:txBody>
-      </p:sp>
-      <p:sp>
-        <p:nvSpPr>
-          <p:cNvPr id="3" name="object 3"/>
-          <p:cNvSpPr txBox="1"/>
-          <p:nvPr/>
-        </p:nvSpPr>
-        <p:spPr>
-          <a:xfrm>
-            <a:off x="5590540" y="2941320"/>
-            <a:ext cx="689610" cy="282575"/>
-          </a:xfrm>
-          <a:prstGeom prst="rect">
-            <a:avLst/>
-          </a:prstGeom>
-        </p:spPr>
-        <p:txBody>
-          <a:bodyPr wrap="square" lIns="0" tIns="0" rIns="0" bIns="0" rtlCol="0" vert="horz">
-            <a:spAutoFit/>
-          </a:bodyPr>
-          <a:lstStyle/>
-          <a:p>
-            <a:pPr marL="12700">
-              <a:lnSpc>
-                <a:spcPct val="100000"/>
-              </a:lnSpc>
-            </a:pPr>
-            <a:r>
-              <a:rPr dirty="0" sz="1800" spc="-5">
-                <a:latin typeface="Century Gothic"/>
-                <a:cs typeface="Century Gothic"/>
-              </a:rPr>
-              <a:t>TOD</a:t>
-            </a:r>
-            <a:r>
-              <a:rPr dirty="0" sz="1800">
-                <a:latin typeface="Century Gothic"/>
-                <a:cs typeface="Century Gothic"/>
-              </a:rPr>
-              <a:t>O</a:t>
-            </a:r>
-            <a:endParaRPr sz="1800">
-              <a:latin typeface="Century Gothic"/>
-              <a:cs typeface="Century Gothic"/>
-            </a:endParaRPr>
-          </a:p>
-        </p:txBody>
-      </p:sp>
-    </p:spTree>
-  </p:cSld>
-  <p:clrMapOvr>
-    <a:masterClrMapping/>
-  </p:clrMapOvr>
-</p:sld>
-</file>
-
-<file path=ppt/slides/slide7.xml><?xml version="1.0" encoding="utf-8"?>
-<p:sld xmlns:a="http://schemas.openxmlformats.org/drawingml/2006/main" xmlns:r="http://schemas.openxmlformats.org/officeDocument/2006/relationships" xmlns:p="http://schemas.openxmlformats.org/presentationml/2006/main">
-  <p:cSld>
-    <p:spTree>
-      <p:nvGrpSpPr>
-        <p:cNvPr id="1" name=""/>
-        <p:cNvGrpSpPr/>
-        <p:nvPr/>
-      </p:nvGrpSpPr>
-      <p:grpSpPr>
-        <a:xfrm>
-          <a:off x="0" y="0"/>
-          <a:ext cx="0" cy="0"/>
-          <a:chOff x="0" y="0"/>
-          <a:chExt cx="0" cy="0"/>
-        </a:xfrm>
-      </p:grpSpPr>
-      <p:sp>
-        <p:nvSpPr>
-          <p:cNvPr id="2" name="object 2"/>
-          <p:cNvSpPr txBox="1">
-            <a:spLocks noGrp="1"/>
-          </p:cNvSpPr>
-          <p:nvPr>
-            <p:ph type="title"/>
-          </p:nvPr>
-        </p:nvSpPr>
-        <p:spPr>
-          <a:prstGeom prst="rect"/>
-        </p:spPr>
-        <p:txBody>
-          <a:bodyPr wrap="square" lIns="0" tIns="0" rIns="0" bIns="0" rtlCol="0" vert="horz">
-            <a:spAutoFit/>
-          </a:bodyPr>
-          <a:lstStyle/>
-          <a:p>
-            <a:pPr marL="12700">
-              <a:lnSpc>
-                <a:spcPct val="100000"/>
-              </a:lnSpc>
-            </a:pPr>
-            <a:r>
-              <a:rPr dirty="0" spc="-5"/>
-              <a:t>Scalability </a:t>
-            </a:r>
-            <a:r>
-              <a:rPr dirty="0"/>
-              <a:t>is everything.</a:t>
-            </a:r>
-          </a:p>
-        </p:txBody>
-      </p:sp>
-      <p:sp>
-        <p:nvSpPr>
-          <p:cNvPr id="3" name="object 3"/>
-          <p:cNvSpPr/>
-          <p:nvPr/>
-        </p:nvSpPr>
-        <p:spPr>
-          <a:xfrm>
-            <a:off x="4874209" y="3742321"/>
-            <a:ext cx="2532481" cy="605269"/>
-          </a:xfrm>
-          <a:prstGeom prst="rect">
-            <a:avLst/>
-          </a:prstGeom>
-          <a:blipFill>
-            <a:blip r:embed="rId2" cstate="print"/>
-            <a:stretch>
-              <a:fillRect/>
-            </a:stretch>
-          </a:blipFill>
-        </p:spPr>
-        <p:txBody>
-          <a:bodyPr wrap="square" lIns="0" tIns="0" rIns="0" bIns="0" rtlCol="0"/>
-          <a:lstStyle/>
-          <a:p/>
-        </p:txBody>
-      </p:sp>
-      <p:sp>
-        <p:nvSpPr>
-          <p:cNvPr id="4" name="object 4"/>
-          <p:cNvSpPr txBox="1"/>
-          <p:nvPr/>
-        </p:nvSpPr>
-        <p:spPr>
-          <a:xfrm>
-            <a:off x="3496464" y="3109007"/>
-            <a:ext cx="612140" cy="236854"/>
-          </a:xfrm>
-          <a:prstGeom prst="rect">
-            <a:avLst/>
-          </a:prstGeom>
-        </p:spPr>
-        <p:txBody>
-          <a:bodyPr wrap="square" lIns="0" tIns="0" rIns="0" bIns="0" rtlCol="0" vert="horz">
-            <a:spAutoFit/>
-          </a:bodyPr>
-          <a:lstStyle/>
-          <a:p>
-            <a:pPr marL="12700">
-              <a:lnSpc>
-                <a:spcPct val="100000"/>
-              </a:lnSpc>
-            </a:pPr>
-            <a:r>
-              <a:rPr dirty="0" sz="1400">
+              <a:rPr sz="1400" dirty="0">
                 <a:latin typeface="Consolas"/>
                 <a:cs typeface="Consolas"/>
               </a:rPr>
@@ -2642,15 +2508,15 @@
         </p:nvSpPr>
         <p:spPr>
           <a:xfrm>
-            <a:off x="7894741" y="3109007"/>
-            <a:ext cx="612140" cy="236854"/>
-          </a:xfrm>
-          <a:prstGeom prst="rect">
-            <a:avLst/>
-          </a:prstGeom>
-        </p:spPr>
-        <p:txBody>
-          <a:bodyPr wrap="square" lIns="0" tIns="0" rIns="0" bIns="0" rtlCol="0" vert="horz">
+            <a:off x="7895590" y="3109595"/>
+            <a:ext cx="1108075" cy="213360"/>
+          </a:xfrm>
+          <a:prstGeom prst="rect">
+            <a:avLst/>
+          </a:prstGeom>
+        </p:spPr>
+        <p:txBody>
+          <a:bodyPr vert="horz" wrap="square" lIns="0" tIns="0" rIns="0" bIns="0" rtlCol="0">
             <a:spAutoFit/>
           </a:bodyPr>
           <a:lstStyle/>
@@ -2661,7 +2527,7 @@
               </a:lnSpc>
             </a:pPr>
             <a:r>
-              <a:rPr dirty="0" sz="1400">
+              <a:rPr sz="1400" dirty="0">
                 <a:latin typeface="Consolas"/>
                 <a:cs typeface="Consolas"/>
               </a:rPr>
@@ -2689,7 +2555,7 @@
             <a:avLst/>
           </a:prstGeom>
           <a:blipFill>
-            <a:blip r:embed="rId3" cstate="print"/>
+            <a:blip r:embed="rId2" cstate="print"/>
             <a:stretch>
               <a:fillRect/>
             </a:stretch>
@@ -2717,7 +2583,7 @@
           </a:prstGeom>
         </p:spPr>
         <p:txBody>
-          <a:bodyPr wrap="square" lIns="0" tIns="0" rIns="0" bIns="0" rtlCol="0" vert="horz">
+          <a:bodyPr vert="horz" wrap="square" lIns="0" tIns="0" rIns="0" bIns="0" rtlCol="0">
             <a:spAutoFit/>
           </a:bodyPr>
           <a:lstStyle/>
@@ -2728,7 +2594,7 @@
               </a:lnSpc>
             </a:pPr>
             <a:r>
-              <a:rPr dirty="0" sz="1400">
+              <a:rPr sz="1400" dirty="0">
                 <a:latin typeface="Consolas"/>
                 <a:cs typeface="Consolas"/>
               </a:rPr>
@@ -2756,6 +2622,33 @@
             <a:avLst/>
           </a:prstGeom>
           <a:blipFill>
+            <a:blip r:embed="rId3" cstate="print"/>
+            <a:stretch>
+              <a:fillRect/>
+            </a:stretch>
+          </a:blipFill>
+        </p:spPr>
+        <p:txBody>
+          <a:bodyPr wrap="square" lIns="0" tIns="0" rIns="0" bIns="0" rtlCol="0"/>
+          <a:lstStyle/>
+          <a:p/>
+        </p:txBody>
+      </p:sp>
+      <p:sp>
+        <p:nvSpPr>
+          <p:cNvPr id="9" name="object 9"/>
+          <p:cNvSpPr/>
+          <p:nvPr/>
+        </p:nvSpPr>
+        <p:spPr>
+          <a:xfrm>
+            <a:off x="7838757" y="2262416"/>
+            <a:ext cx="723900" cy="734783"/>
+          </a:xfrm>
+          <a:prstGeom prst="rect">
+            <a:avLst/>
+          </a:prstGeom>
+          <a:blipFill>
             <a:blip r:embed="rId4" cstate="print"/>
             <a:stretch>
               <a:fillRect/>
@@ -2770,14 +2663,14 @@
       </p:sp>
       <p:sp>
         <p:nvSpPr>
-          <p:cNvPr id="9" name="object 9"/>
+          <p:cNvPr id="10" name="object 10"/>
           <p:cNvSpPr/>
           <p:nvPr/>
         </p:nvSpPr>
         <p:spPr>
           <a:xfrm>
-            <a:off x="7838757" y="2262416"/>
-            <a:ext cx="723900" cy="734783"/>
+            <a:off x="5717273" y="918034"/>
+            <a:ext cx="808253" cy="826627"/>
           </a:xfrm>
           <a:prstGeom prst="rect">
             <a:avLst/>
@@ -2797,48 +2690,21 @@
       </p:sp>
       <p:sp>
         <p:nvSpPr>
-          <p:cNvPr id="10" name="object 10"/>
-          <p:cNvSpPr/>
-          <p:nvPr/>
-        </p:nvSpPr>
-        <p:spPr>
-          <a:xfrm>
-            <a:off x="5717273" y="918034"/>
-            <a:ext cx="808253" cy="826627"/>
-          </a:xfrm>
-          <a:prstGeom prst="rect">
-            <a:avLst/>
-          </a:prstGeom>
-          <a:blipFill>
-            <a:blip r:embed="rId6" cstate="print"/>
-            <a:stretch>
-              <a:fillRect/>
-            </a:stretch>
-          </a:blipFill>
-        </p:spPr>
-        <p:txBody>
-          <a:bodyPr wrap="square" lIns="0" tIns="0" rIns="0" bIns="0" rtlCol="0"/>
-          <a:lstStyle/>
-          <a:p/>
-        </p:txBody>
-      </p:sp>
-      <p:sp>
-        <p:nvSpPr>
           <p:cNvPr id="11" name="object 11"/>
           <p:cNvSpPr txBox="1"/>
           <p:nvPr/>
         </p:nvSpPr>
         <p:spPr>
           <a:xfrm>
-            <a:off x="5864311" y="1761219"/>
-            <a:ext cx="514350" cy="236854"/>
-          </a:xfrm>
-          <a:prstGeom prst="rect">
-            <a:avLst/>
-          </a:prstGeom>
-        </p:spPr>
-        <p:txBody>
-          <a:bodyPr wrap="square" lIns="0" tIns="0" rIns="0" bIns="0" rtlCol="0" vert="horz">
+            <a:off x="5864225" y="1762125"/>
+            <a:ext cx="845820" cy="213360"/>
+          </a:xfrm>
+          <a:prstGeom prst="rect">
+            <a:avLst/>
+          </a:prstGeom>
+        </p:spPr>
+        <p:txBody>
+          <a:bodyPr vert="horz" wrap="square" lIns="0" tIns="0" rIns="0" bIns="0" rtlCol="0">
             <a:spAutoFit/>
           </a:bodyPr>
           <a:lstStyle/>
@@ -2849,7 +2715,7 @@
               </a:lnSpc>
             </a:pPr>
             <a:r>
-              <a:rPr dirty="0" sz="1400">
+              <a:rPr sz="1400" dirty="0">
                 <a:latin typeface="Consolas"/>
                 <a:cs typeface="Consolas"/>
               </a:rPr>
@@ -2877,7 +2743,7 @@
             <a:avLst/>
           </a:prstGeom>
           <a:blipFill>
-            <a:blip r:embed="rId7" cstate="print"/>
+            <a:blip r:embed="rId6" cstate="print"/>
             <a:stretch>
               <a:fillRect/>
             </a:stretch>
@@ -2897,7 +2763,7 @@
 </p:sld>
 </file>
 
-<file path=ppt/slides/slide8.xml><?xml version="1.0" encoding="utf-8"?>
+<file path=ppt/slides/slide6.xml><?xml version="1.0" encoding="utf-8"?>
 <p:sld xmlns:a="http://schemas.openxmlformats.org/drawingml/2006/main" xmlns:r="http://schemas.openxmlformats.org/officeDocument/2006/relationships" xmlns:p="http://schemas.openxmlformats.org/presentationml/2006/main" showMasterSp="0">
   <p:cSld>
     <p:spTree>
@@ -3025,10 +2891,12 @@
             <a:off x="3818915" y="1988820"/>
             <a:ext cx="4553585" cy="822960"/>
           </a:xfrm>
-          <a:prstGeom prst="rect"/>
-        </p:spPr>
-        <p:txBody>
-          <a:bodyPr wrap="square" lIns="0" tIns="0" rIns="0" bIns="0" rtlCol="0" vert="horz">
+          <a:prstGeom prst="rect">
+            <a:avLst/>
+          </a:prstGeom>
+        </p:spPr>
+        <p:txBody>
+          <a:bodyPr vert="horz" wrap="square" lIns="0" tIns="0" rIns="0" bIns="0" rtlCol="0">
             <a:spAutoFit/>
           </a:bodyPr>
           <a:lstStyle/>
@@ -3039,15 +2907,15 @@
               </a:lnSpc>
             </a:pPr>
             <a:r>
-              <a:rPr dirty="0" sz="5400" spc="-5"/>
+              <a:rPr sz="5400" spc="-5" dirty="0"/>
               <a:t>THANK</a:t>
             </a:r>
             <a:r>
-              <a:rPr dirty="0" sz="5400" spc="-75"/>
+              <a:rPr sz="5400" spc="-75" dirty="0"/>
               <a:t> </a:t>
             </a:r>
             <a:r>
-              <a:rPr dirty="0" sz="5400" spc="-40"/>
+              <a:rPr sz="5400" spc="-40" dirty="0"/>
               <a:t>YOU!</a:t>
             </a:r>
             <a:endParaRPr sz="5400"/>
@@ -3062,15 +2930,15 @@
         </p:nvSpPr>
         <p:spPr>
           <a:xfrm>
-            <a:off x="4205198" y="3436620"/>
-            <a:ext cx="3782060" cy="274320"/>
-          </a:xfrm>
-          <a:prstGeom prst="rect">
-            <a:avLst/>
-          </a:prstGeom>
-        </p:spPr>
-        <p:txBody>
-          <a:bodyPr wrap="square" lIns="0" tIns="0" rIns="0" bIns="0" rtlCol="0" vert="horz">
+            <a:off x="8458428" y="4267200"/>
+            <a:ext cx="3782060" cy="609600"/>
+          </a:xfrm>
+          <a:prstGeom prst="rect">
+            <a:avLst/>
+          </a:prstGeom>
+        </p:spPr>
+        <p:txBody>
+          <a:bodyPr vert="horz" wrap="square" lIns="0" tIns="0" rIns="0" bIns="0" rtlCol="0">
             <a:spAutoFit/>
           </a:bodyPr>
           <a:lstStyle/>
@@ -3081,46 +2949,19 @@
               </a:lnSpc>
             </a:pPr>
             <a:r>
-              <a:rPr dirty="0" sz="1800" spc="-5">
+              <a:rPr lang="x-none" sz="4000" spc="-5" dirty="0">
                 <a:solidFill>
                   <a:srgbClr val="FFFFFF"/>
                 </a:solidFill>
                 <a:latin typeface="Microsoft YaHei"/>
                 <a:cs typeface="Microsoft YaHei"/>
               </a:rPr>
-              <a:t>PRESENTED </a:t>
+              <a:t>Grox</a:t>
             </a:r>
-            <a:r>
-              <a:rPr dirty="0" sz="1800" spc="-35">
-                <a:solidFill>
-                  <a:srgbClr val="FFFFFF"/>
-                </a:solidFill>
-                <a:latin typeface="Microsoft YaHei"/>
-                <a:cs typeface="Microsoft YaHei"/>
-              </a:rPr>
-              <a:t>BY</a:t>
-            </a:r>
-            <a:r>
-              <a:rPr dirty="0" sz="1800" spc="-60">
-                <a:solidFill>
-                  <a:srgbClr val="FFFFFF"/>
-                </a:solidFill>
-                <a:latin typeface="Microsoft YaHei"/>
-                <a:cs typeface="Microsoft YaHei"/>
-              </a:rPr>
-              <a:t> </a:t>
-            </a:r>
-            <a:r>
-              <a:rPr dirty="0" sz="1800">
-                <a:solidFill>
-                  <a:srgbClr val="FFFFFF"/>
-                </a:solidFill>
-                <a:latin typeface="Microsoft YaHei"/>
-                <a:cs typeface="Microsoft YaHei"/>
-              </a:rPr>
-              <a:t>唇边轻启的欲念之火</a:t>
-            </a:r>
-            <a:endParaRPr sz="1800">
+            <a:endParaRPr lang="x-none" sz="4000" spc="-5" dirty="0">
+              <a:solidFill>
+                <a:srgbClr val="FFFFFF"/>
+              </a:solidFill>
               <a:latin typeface="Microsoft YaHei"/>
               <a:cs typeface="Microsoft YaHei"/>
             </a:endParaRPr>
@@ -3415,5 +3256,10 @@
   </a:themeElements>
   <a:objectDefaults/>
   <a:extraClrSchemeLst/>
+  <a:extLst>
+    <a:ext uri="{05A4C25C-085E-4340-85A3-A5531E510DB2}">
+      <thm15:themeFamily xmlns:thm15="http://schemas.microsoft.com/office/thememl/2012/main" name="Office Theme" id="{62F939B6-93AF-4DB8-9C6B-D6C7DFDC589F}" vid="{4A3C46E8-61CC-4603-A589-7422A47A8E4A}"/>
+    </a:ext>
+  </a:extLst>
 </a:theme>
 </file>